--- a/presentation.pptx
+++ b/presentation.pptx
@@ -6,8 +6,13 @@
   </p:sldMasterIdLst>
   <p:sldIdLst>
     <p:sldId id="256" r:id="rId2"/>
-    <p:sldId id="257" r:id="rId3"/>
-    <p:sldId id="258" r:id="rId4"/>
+    <p:sldId id="262" r:id="rId3"/>
+    <p:sldId id="263" r:id="rId4"/>
+    <p:sldId id="264" r:id="rId5"/>
+    <p:sldId id="265" r:id="rId6"/>
+    <p:sldId id="259" r:id="rId7"/>
+    <p:sldId id="261" r:id="rId8"/>
+    <p:sldId id="260" r:id="rId9"/>
   </p:sldIdLst>
   <p:sldSz cx="12192000" cy="6858000"/>
   <p:notesSz cx="6858000" cy="9144000"/>
@@ -2983,11 +2988,7 @@
           <a:p>
             <a:r>
               <a:rPr lang="en-US" dirty="0" smtClean="0"/>
-              <a:t>EE123 </a:t>
-            </a:r>
-            <a:r>
-              <a:rPr lang="en-US" smtClean="0"/>
-              <a:t>Final Project – Image Transmission</a:t>
+              <a:t>EE123 Final Project – Image Communication</a:t>
             </a:r>
             <a:endParaRPr lang="en-US" dirty="0"/>
           </a:p>
@@ -3071,7 +3072,7 @@
           <a:p>
             <a:r>
               <a:rPr lang="en-US" dirty="0" smtClean="0"/>
-              <a:t>Transmission</a:t>
+              <a:t>JPEG</a:t>
             </a:r>
             <a:endParaRPr lang="en-US" dirty="0"/>
           </a:p>
@@ -3092,42 +3093,14 @@
           <a:bodyPr/>
           <a:lstStyle/>
           <a:p>
-            <a:r>
-              <a:rPr lang="en-US" dirty="0" smtClean="0"/>
-              <a:t>Frequency Response of Audio BP Filter</a:t>
-            </a:r>
-            <a:endParaRPr lang="en-US" dirty="0"/>
-          </a:p>
-        </p:txBody>
-      </p:sp>
-      <p:pic>
-        <p:nvPicPr>
-          <p:cNvPr id="5" name="Picture 4"/>
-          <p:cNvPicPr>
-            <a:picLocks noChangeAspect="1"/>
-          </p:cNvPicPr>
-          <p:nvPr/>
-        </p:nvPicPr>
-        <p:blipFill>
-          <a:blip r:embed="rId2"/>
-          <a:stretch>
-            <a:fillRect/>
-          </a:stretch>
-        </p:blipFill>
-        <p:spPr>
-          <a:xfrm>
-            <a:off x="1168400" y="2495550"/>
-            <a:ext cx="4927600" cy="3289300"/>
-          </a:xfrm>
-          <a:prstGeom prst="rect">
-            <a:avLst/>
-          </a:prstGeom>
-        </p:spPr>
-      </p:pic>
+            <a:endParaRPr lang="en-US"/>
+          </a:p>
+        </p:txBody>
+      </p:sp>
     </p:spTree>
     <p:extLst>
       <p:ext uri="{BB962C8B-B14F-4D97-AF65-F5344CB8AC3E}">
-        <p14:creationId xmlns:p14="http://schemas.microsoft.com/office/powerpoint/2010/main" val="1893186282"/>
+        <p14:creationId xmlns:p14="http://schemas.microsoft.com/office/powerpoint/2010/main" val="1010193736"/>
       </p:ext>
     </p:extLst>
   </p:cSld>
@@ -3171,7 +3144,7 @@
           <a:p>
             <a:r>
               <a:rPr lang="en-US" dirty="0" smtClean="0"/>
-              <a:t>MFSK</a:t>
+              <a:t>Compression</a:t>
             </a:r>
             <a:endParaRPr lang="en-US" dirty="0"/>
           </a:p>
@@ -3192,48 +3165,693 @@
           <a:bodyPr/>
           <a:lstStyle/>
           <a:p>
-            <a:r>
-              <a:rPr lang="en-US" dirty="0" smtClean="0"/>
-              <a:t>FSK with &gt;2 frequencies</a:t>
-            </a:r>
-          </a:p>
-          <a:p>
-            <a:r>
-              <a:rPr lang="en-US" dirty="0" smtClean="0"/>
-              <a:t>Each symbol corresponds to one element from a set of orthogonal waveforms</a:t>
-            </a:r>
-          </a:p>
-          <a:p>
-            <a:r>
-              <a:rPr lang="en-US" dirty="0" smtClean="0"/>
-              <a:t>Send 2 bits at a time instead of 1</a:t>
-            </a:r>
-          </a:p>
-          <a:p>
-            <a:r>
-              <a:rPr lang="en-US" dirty="0" smtClean="0"/>
-              <a:t>E.g. (M=4)</a:t>
-            </a:r>
-            <a:endParaRPr lang="en-US" dirty="0"/>
-          </a:p>
-          <a:p>
-            <a:r>
-              <a:rPr lang="en-US" dirty="0" smtClean="0"/>
-              <a:t>900, 1200, 1800, 2100</a:t>
-            </a:r>
-          </a:p>
-          <a:p>
-            <a:r>
-              <a:rPr lang="en-US" dirty="0" smtClean="0"/>
-              <a:t>00, 01, 10, 11</a:t>
-            </a:r>
+            <a:endParaRPr lang="en-US"/>
           </a:p>
         </p:txBody>
       </p:sp>
     </p:spTree>
     <p:extLst>
       <p:ext uri="{BB962C8B-B14F-4D97-AF65-F5344CB8AC3E}">
-        <p14:creationId xmlns:p14="http://schemas.microsoft.com/office/powerpoint/2010/main" val="1951623371"/>
+        <p14:creationId xmlns:p14="http://schemas.microsoft.com/office/powerpoint/2010/main" val="1005653086"/>
+      </p:ext>
+    </p:extLst>
+  </p:cSld>
+  <p:clrMapOvr>
+    <a:masterClrMapping/>
+  </p:clrMapOvr>
+</p:sld>
+</file>
+
+<file path=ppt/slides/slide4.xml><?xml version="1.0" encoding="utf-8"?>
+<p:sld xmlns:a="http://schemas.openxmlformats.org/drawingml/2006/main" xmlns:r="http://schemas.openxmlformats.org/officeDocument/2006/relationships" xmlns:p="http://schemas.openxmlformats.org/presentationml/2006/main">
+  <p:cSld>
+    <p:spTree>
+      <p:nvGrpSpPr>
+        <p:cNvPr id="1" name=""/>
+        <p:cNvGrpSpPr/>
+        <p:nvPr/>
+      </p:nvGrpSpPr>
+      <p:grpSpPr>
+        <a:xfrm>
+          <a:off x="0" y="0"/>
+          <a:ext cx="0" cy="0"/>
+          <a:chOff x="0" y="0"/>
+          <a:chExt cx="0" cy="0"/>
+        </a:xfrm>
+      </p:grpSpPr>
+      <p:sp>
+        <p:nvSpPr>
+          <p:cNvPr id="2" name="Title 1"/>
+          <p:cNvSpPr>
+            <a:spLocks noGrp="1"/>
+          </p:cNvSpPr>
+          <p:nvPr>
+            <p:ph type="title"/>
+          </p:nvPr>
+        </p:nvSpPr>
+        <p:spPr/>
+        <p:txBody>
+          <a:bodyPr/>
+          <a:lstStyle/>
+          <a:p>
+            <a:r>
+              <a:rPr lang="en-US" dirty="0" smtClean="0"/>
+              <a:t>Packets</a:t>
+            </a:r>
+            <a:endParaRPr lang="en-US" dirty="0"/>
+          </a:p>
+        </p:txBody>
+      </p:sp>
+      <p:sp>
+        <p:nvSpPr>
+          <p:cNvPr id="3" name="Content Placeholder 2"/>
+          <p:cNvSpPr>
+            <a:spLocks noGrp="1"/>
+          </p:cNvSpPr>
+          <p:nvPr>
+            <p:ph idx="1"/>
+          </p:nvPr>
+        </p:nvSpPr>
+        <p:spPr/>
+        <p:txBody>
+          <a:bodyPr/>
+          <a:lstStyle/>
+          <a:p>
+            <a:endParaRPr lang="en-US"/>
+          </a:p>
+        </p:txBody>
+      </p:sp>
+    </p:spTree>
+    <p:extLst>
+      <p:ext uri="{BB962C8B-B14F-4D97-AF65-F5344CB8AC3E}">
+        <p14:creationId xmlns:p14="http://schemas.microsoft.com/office/powerpoint/2010/main" val="1453757304"/>
+      </p:ext>
+    </p:extLst>
+  </p:cSld>
+  <p:clrMapOvr>
+    <a:masterClrMapping/>
+  </p:clrMapOvr>
+</p:sld>
+</file>
+
+<file path=ppt/slides/slide5.xml><?xml version="1.0" encoding="utf-8"?>
+<p:sld xmlns:a="http://schemas.openxmlformats.org/drawingml/2006/main" xmlns:r="http://schemas.openxmlformats.org/officeDocument/2006/relationships" xmlns:p="http://schemas.openxmlformats.org/presentationml/2006/main">
+  <p:cSld>
+    <p:spTree>
+      <p:nvGrpSpPr>
+        <p:cNvPr id="1" name=""/>
+        <p:cNvGrpSpPr/>
+        <p:nvPr/>
+      </p:nvGrpSpPr>
+      <p:grpSpPr>
+        <a:xfrm>
+          <a:off x="0" y="0"/>
+          <a:ext cx="0" cy="0"/>
+          <a:chOff x="0" y="0"/>
+          <a:chExt cx="0" cy="0"/>
+        </a:xfrm>
+      </p:grpSpPr>
+      <p:sp>
+        <p:nvSpPr>
+          <p:cNvPr id="2" name="Title 1"/>
+          <p:cNvSpPr>
+            <a:spLocks noGrp="1"/>
+          </p:cNvSpPr>
+          <p:nvPr>
+            <p:ph type="title"/>
+          </p:nvPr>
+        </p:nvSpPr>
+        <p:spPr/>
+        <p:txBody>
+          <a:bodyPr/>
+          <a:lstStyle/>
+          <a:p>
+            <a:r>
+              <a:rPr lang="en-US" dirty="0" smtClean="0"/>
+              <a:t>Network</a:t>
+            </a:r>
+            <a:endParaRPr lang="en-US" dirty="0"/>
+          </a:p>
+        </p:txBody>
+      </p:sp>
+      <p:sp>
+        <p:nvSpPr>
+          <p:cNvPr id="3" name="Content Placeholder 2"/>
+          <p:cNvSpPr>
+            <a:spLocks noGrp="1"/>
+          </p:cNvSpPr>
+          <p:nvPr>
+            <p:ph idx="1"/>
+          </p:nvPr>
+        </p:nvSpPr>
+        <p:spPr/>
+        <p:txBody>
+          <a:bodyPr/>
+          <a:lstStyle/>
+          <a:p>
+            <a:endParaRPr lang="en-US"/>
+          </a:p>
+        </p:txBody>
+      </p:sp>
+    </p:spTree>
+    <p:extLst>
+      <p:ext uri="{BB962C8B-B14F-4D97-AF65-F5344CB8AC3E}">
+        <p14:creationId xmlns:p14="http://schemas.microsoft.com/office/powerpoint/2010/main" val="1215310775"/>
+      </p:ext>
+    </p:extLst>
+  </p:cSld>
+  <p:clrMapOvr>
+    <a:masterClrMapping/>
+  </p:clrMapOvr>
+</p:sld>
+</file>
+
+<file path=ppt/slides/slide6.xml><?xml version="1.0" encoding="utf-8"?>
+<p:sld xmlns:a="http://schemas.openxmlformats.org/drawingml/2006/main" xmlns:r="http://schemas.openxmlformats.org/officeDocument/2006/relationships" xmlns:p="http://schemas.openxmlformats.org/presentationml/2006/main">
+  <p:cSld>
+    <p:spTree>
+      <p:nvGrpSpPr>
+        <p:cNvPr id="1" name=""/>
+        <p:cNvGrpSpPr/>
+        <p:nvPr/>
+      </p:nvGrpSpPr>
+      <p:grpSpPr>
+        <a:xfrm>
+          <a:off x="0" y="0"/>
+          <a:ext cx="0" cy="0"/>
+          <a:chOff x="0" y="0"/>
+          <a:chExt cx="0" cy="0"/>
+        </a:xfrm>
+      </p:grpSpPr>
+      <p:sp>
+        <p:nvSpPr>
+          <p:cNvPr id="2" name="Title 1"/>
+          <p:cNvSpPr>
+            <a:spLocks noGrp="1"/>
+          </p:cNvSpPr>
+          <p:nvPr>
+            <p:ph type="title"/>
+          </p:nvPr>
+        </p:nvSpPr>
+        <p:spPr/>
+        <p:txBody>
+          <a:bodyPr/>
+          <a:lstStyle/>
+          <a:p>
+            <a:r>
+              <a:rPr lang="en-US" dirty="0" smtClean="0"/>
+              <a:t>MSK</a:t>
+            </a:r>
+            <a:endParaRPr lang="en-US" dirty="0"/>
+          </a:p>
+        </p:txBody>
+      </p:sp>
+      <p:sp>
+        <p:nvSpPr>
+          <p:cNvPr id="3" name="Content Placeholder 2"/>
+          <p:cNvSpPr>
+            <a:spLocks noGrp="1"/>
+          </p:cNvSpPr>
+          <p:nvPr>
+            <p:ph idx="1"/>
+          </p:nvPr>
+        </p:nvSpPr>
+        <p:spPr>
+          <a:xfrm>
+            <a:off x="838200" y="1825625"/>
+            <a:ext cx="5499100" cy="4351338"/>
+          </a:xfrm>
+        </p:spPr>
+        <p:txBody>
+          <a:bodyPr>
+            <a:normAutofit fontScale="92500" lnSpcReduction="10000"/>
+          </a:bodyPr>
+          <a:lstStyle/>
+          <a:p>
+            <a:r>
+              <a:rPr lang="en-US" dirty="0" smtClean="0"/>
+              <a:t>Looked into Multiple Frequency Shift Keying (MFSK)</a:t>
+            </a:r>
+          </a:p>
+          <a:p>
+            <a:r>
+              <a:rPr lang="en-US" dirty="0" smtClean="0"/>
+              <a:t>Went with Minimum Shift Keying (MSK) for simplicity</a:t>
+            </a:r>
+          </a:p>
+          <a:p>
+            <a:r>
+              <a:rPr lang="en-US" dirty="0" smtClean="0"/>
+              <a:t>FM Bandwidth is only 3kHz</a:t>
+            </a:r>
+          </a:p>
+          <a:p>
+            <a:r>
+              <a:rPr lang="en-US" dirty="0" smtClean="0"/>
+              <a:t>Went with </a:t>
+            </a:r>
+            <a:r>
+              <a:rPr lang="en-US" dirty="0" err="1" smtClean="0"/>
+              <a:t>mark_f</a:t>
+            </a:r>
+            <a:r>
+              <a:rPr lang="en-US" dirty="0" smtClean="0"/>
+              <a:t> = 1200 HZ, </a:t>
+            </a:r>
+            <a:r>
+              <a:rPr lang="en-US" dirty="0" err="1" smtClean="0"/>
+              <a:t>space_f</a:t>
+            </a:r>
+            <a:r>
+              <a:rPr lang="en-US" dirty="0" smtClean="0"/>
+              <a:t> = 2400 Hz and baud rate = 2400</a:t>
+            </a:r>
+          </a:p>
+          <a:p>
+            <a:r>
+              <a:rPr lang="en-US" dirty="0" smtClean="0"/>
+              <a:t>Each bit encoded as half sinusoid (mark) or full sinusoid (space) as a result of having the mark and space frequencies divide the baud rate</a:t>
+            </a:r>
+          </a:p>
+          <a:p>
+            <a:endParaRPr lang="en-US" dirty="0" smtClean="0"/>
+          </a:p>
+        </p:txBody>
+      </p:sp>
+      <p:pic>
+        <p:nvPicPr>
+          <p:cNvPr id="4" name="Picture 3"/>
+          <p:cNvPicPr>
+            <a:picLocks noChangeAspect="1"/>
+          </p:cNvPicPr>
+          <p:nvPr/>
+        </p:nvPicPr>
+        <p:blipFill>
+          <a:blip r:embed="rId2"/>
+          <a:stretch>
+            <a:fillRect/>
+          </a:stretch>
+        </p:blipFill>
+        <p:spPr>
+          <a:xfrm>
+            <a:off x="6692900" y="1690688"/>
+            <a:ext cx="4927600" cy="3289300"/>
+          </a:xfrm>
+          <a:prstGeom prst="rect">
+            <a:avLst/>
+          </a:prstGeom>
+        </p:spPr>
+      </p:pic>
+      <p:sp>
+        <p:nvSpPr>
+          <p:cNvPr id="5" name="Content Placeholder 2"/>
+          <p:cNvSpPr txBox="1">
+            <a:spLocks/>
+          </p:cNvSpPr>
+          <p:nvPr/>
+        </p:nvSpPr>
+        <p:spPr>
+          <a:xfrm>
+            <a:off x="6692900" y="4979988"/>
+            <a:ext cx="5499100" cy="4351338"/>
+          </a:xfrm>
+          <a:prstGeom prst="rect">
+            <a:avLst/>
+          </a:prstGeom>
+        </p:spPr>
+        <p:txBody>
+          <a:bodyPr vert="horz" lIns="91440" tIns="45720" rIns="91440" bIns="45720" rtlCol="0">
+            <a:normAutofit/>
+          </a:bodyPr>
+          <a:lstStyle>
+            <a:lvl1pPr marL="228600" indent="-228600" algn="l" defTabSz="914400" rtl="0" eaLnBrk="1" latinLnBrk="0" hangingPunct="1">
+              <a:lnSpc>
+                <a:spcPct val="90000"/>
+              </a:lnSpc>
+              <a:spcBef>
+                <a:spcPts val="1000"/>
+              </a:spcBef>
+              <a:buFont typeface="Arial"/>
+              <a:buChar char="•"/>
+              <a:defRPr sz="2800" kern="1200">
+                <a:solidFill>
+                  <a:schemeClr val="tx1"/>
+                </a:solidFill>
+                <a:latin typeface="+mn-lt"/>
+                <a:ea typeface="+mn-ea"/>
+                <a:cs typeface="+mn-cs"/>
+              </a:defRPr>
+            </a:lvl1pPr>
+            <a:lvl2pPr marL="685800" indent="-228600" algn="l" defTabSz="914400" rtl="0" eaLnBrk="1" latinLnBrk="0" hangingPunct="1">
+              <a:lnSpc>
+                <a:spcPct val="90000"/>
+              </a:lnSpc>
+              <a:spcBef>
+                <a:spcPts val="500"/>
+              </a:spcBef>
+              <a:buFont typeface="Arial"/>
+              <a:buChar char="•"/>
+              <a:defRPr sz="2400" kern="1200">
+                <a:solidFill>
+                  <a:schemeClr val="tx1"/>
+                </a:solidFill>
+                <a:latin typeface="+mn-lt"/>
+                <a:ea typeface="+mn-ea"/>
+                <a:cs typeface="+mn-cs"/>
+              </a:defRPr>
+            </a:lvl2pPr>
+            <a:lvl3pPr marL="1143000" indent="-228600" algn="l" defTabSz="914400" rtl="0" eaLnBrk="1" latinLnBrk="0" hangingPunct="1">
+              <a:lnSpc>
+                <a:spcPct val="90000"/>
+              </a:lnSpc>
+              <a:spcBef>
+                <a:spcPts val="500"/>
+              </a:spcBef>
+              <a:buFont typeface="Arial"/>
+              <a:buChar char="•"/>
+              <a:defRPr sz="2000" kern="1200">
+                <a:solidFill>
+                  <a:schemeClr val="tx1"/>
+                </a:solidFill>
+                <a:latin typeface="+mn-lt"/>
+                <a:ea typeface="+mn-ea"/>
+                <a:cs typeface="+mn-cs"/>
+              </a:defRPr>
+            </a:lvl3pPr>
+            <a:lvl4pPr marL="1600200" indent="-228600" algn="l" defTabSz="914400" rtl="0" eaLnBrk="1" latinLnBrk="0" hangingPunct="1">
+              <a:lnSpc>
+                <a:spcPct val="90000"/>
+              </a:lnSpc>
+              <a:spcBef>
+                <a:spcPts val="500"/>
+              </a:spcBef>
+              <a:buFont typeface="Arial"/>
+              <a:buChar char="•"/>
+              <a:defRPr sz="1800" kern="1200">
+                <a:solidFill>
+                  <a:schemeClr val="tx1"/>
+                </a:solidFill>
+                <a:latin typeface="+mn-lt"/>
+                <a:ea typeface="+mn-ea"/>
+                <a:cs typeface="+mn-cs"/>
+              </a:defRPr>
+            </a:lvl4pPr>
+            <a:lvl5pPr marL="2057400" indent="-228600" algn="l" defTabSz="914400" rtl="0" eaLnBrk="1" latinLnBrk="0" hangingPunct="1">
+              <a:lnSpc>
+                <a:spcPct val="90000"/>
+              </a:lnSpc>
+              <a:spcBef>
+                <a:spcPts val="500"/>
+              </a:spcBef>
+              <a:buFont typeface="Arial"/>
+              <a:buChar char="•"/>
+              <a:defRPr sz="1800" kern="1200">
+                <a:solidFill>
+                  <a:schemeClr val="tx1"/>
+                </a:solidFill>
+                <a:latin typeface="+mn-lt"/>
+                <a:ea typeface="+mn-ea"/>
+                <a:cs typeface="+mn-cs"/>
+              </a:defRPr>
+            </a:lvl5pPr>
+            <a:lvl6pPr marL="2514600" indent="-228600" algn="l" defTabSz="914400" rtl="0" eaLnBrk="1" latinLnBrk="0" hangingPunct="1">
+              <a:lnSpc>
+                <a:spcPct val="90000"/>
+              </a:lnSpc>
+              <a:spcBef>
+                <a:spcPts val="500"/>
+              </a:spcBef>
+              <a:buFont typeface="Arial"/>
+              <a:buChar char="•"/>
+              <a:defRPr sz="1800" kern="1200">
+                <a:solidFill>
+                  <a:schemeClr val="tx1"/>
+                </a:solidFill>
+                <a:latin typeface="+mn-lt"/>
+                <a:ea typeface="+mn-ea"/>
+                <a:cs typeface="+mn-cs"/>
+              </a:defRPr>
+            </a:lvl6pPr>
+            <a:lvl7pPr marL="2971800" indent="-228600" algn="l" defTabSz="914400" rtl="0" eaLnBrk="1" latinLnBrk="0" hangingPunct="1">
+              <a:lnSpc>
+                <a:spcPct val="90000"/>
+              </a:lnSpc>
+              <a:spcBef>
+                <a:spcPts val="500"/>
+              </a:spcBef>
+              <a:buFont typeface="Arial"/>
+              <a:buChar char="•"/>
+              <a:defRPr sz="1800" kern="1200">
+                <a:solidFill>
+                  <a:schemeClr val="tx1"/>
+                </a:solidFill>
+                <a:latin typeface="+mn-lt"/>
+                <a:ea typeface="+mn-ea"/>
+                <a:cs typeface="+mn-cs"/>
+              </a:defRPr>
+            </a:lvl7pPr>
+            <a:lvl8pPr marL="3429000" indent="-228600" algn="l" defTabSz="914400" rtl="0" eaLnBrk="1" latinLnBrk="0" hangingPunct="1">
+              <a:lnSpc>
+                <a:spcPct val="90000"/>
+              </a:lnSpc>
+              <a:spcBef>
+                <a:spcPts val="500"/>
+              </a:spcBef>
+              <a:buFont typeface="Arial"/>
+              <a:buChar char="•"/>
+              <a:defRPr sz="1800" kern="1200">
+                <a:solidFill>
+                  <a:schemeClr val="tx1"/>
+                </a:solidFill>
+                <a:latin typeface="+mn-lt"/>
+                <a:ea typeface="+mn-ea"/>
+                <a:cs typeface="+mn-cs"/>
+              </a:defRPr>
+            </a:lvl8pPr>
+            <a:lvl9pPr marL="3886200" indent="-228600" algn="l" defTabSz="914400" rtl="0" eaLnBrk="1" latinLnBrk="0" hangingPunct="1">
+              <a:lnSpc>
+                <a:spcPct val="90000"/>
+              </a:lnSpc>
+              <a:spcBef>
+                <a:spcPts val="500"/>
+              </a:spcBef>
+              <a:buFont typeface="Arial"/>
+              <a:buChar char="•"/>
+              <a:defRPr sz="1800" kern="1200">
+                <a:solidFill>
+                  <a:schemeClr val="tx1"/>
+                </a:solidFill>
+                <a:latin typeface="+mn-lt"/>
+                <a:ea typeface="+mn-ea"/>
+                <a:cs typeface="+mn-cs"/>
+              </a:defRPr>
+            </a:lvl9pPr>
+          </a:lstStyle>
+          <a:p>
+            <a:pPr marL="0" indent="0">
+              <a:buNone/>
+            </a:pPr>
+            <a:r>
+              <a:rPr lang="en-US" sz="1800" dirty="0" smtClean="0"/>
+              <a:t>Frequency Response of the radio’s </a:t>
+            </a:r>
+            <a:r>
+              <a:rPr lang="en-US" sz="1800" dirty="0"/>
+              <a:t>a</a:t>
+            </a:r>
+            <a:r>
+              <a:rPr lang="en-US" sz="1800" dirty="0" smtClean="0"/>
+              <a:t>udio </a:t>
+            </a:r>
+            <a:r>
+              <a:rPr lang="en-US" sz="1800" dirty="0" err="1"/>
+              <a:t>b</a:t>
+            </a:r>
+            <a:r>
+              <a:rPr lang="en-US" sz="1800" dirty="0" err="1" smtClean="0"/>
+              <a:t>andpass</a:t>
+            </a:r>
+            <a:r>
+              <a:rPr lang="en-US" sz="1800" dirty="0" smtClean="0"/>
+              <a:t> </a:t>
+            </a:r>
+            <a:r>
+              <a:rPr lang="en-US" sz="1800" dirty="0"/>
+              <a:t>f</a:t>
+            </a:r>
+            <a:r>
+              <a:rPr lang="en-US" sz="1800" dirty="0" smtClean="0"/>
+              <a:t>ilter</a:t>
+            </a:r>
+            <a:endParaRPr lang="en-US" sz="1800" dirty="0"/>
+          </a:p>
+        </p:txBody>
+      </p:sp>
+    </p:spTree>
+    <p:extLst>
+      <p:ext uri="{BB962C8B-B14F-4D97-AF65-F5344CB8AC3E}">
+        <p14:creationId xmlns:p14="http://schemas.microsoft.com/office/powerpoint/2010/main" val="1914047833"/>
+      </p:ext>
+    </p:extLst>
+  </p:cSld>
+  <p:clrMapOvr>
+    <a:masterClrMapping/>
+  </p:clrMapOvr>
+</p:sld>
+</file>
+
+<file path=ppt/slides/slide7.xml><?xml version="1.0" encoding="utf-8"?>
+<p:sld xmlns:a="http://schemas.openxmlformats.org/drawingml/2006/main" xmlns:r="http://schemas.openxmlformats.org/officeDocument/2006/relationships" xmlns:p="http://schemas.openxmlformats.org/presentationml/2006/main">
+  <p:cSld>
+    <p:spTree>
+      <p:nvGrpSpPr>
+        <p:cNvPr id="1" name=""/>
+        <p:cNvGrpSpPr/>
+        <p:nvPr/>
+      </p:nvGrpSpPr>
+      <p:grpSpPr>
+        <a:xfrm>
+          <a:off x="0" y="0"/>
+          <a:ext cx="0" cy="0"/>
+          <a:chOff x="0" y="0"/>
+          <a:chExt cx="0" cy="0"/>
+        </a:xfrm>
+      </p:grpSpPr>
+      <p:sp>
+        <p:nvSpPr>
+          <p:cNvPr id="2" name="Title 1"/>
+          <p:cNvSpPr>
+            <a:spLocks noGrp="1"/>
+          </p:cNvSpPr>
+          <p:nvPr>
+            <p:ph type="title"/>
+          </p:nvPr>
+        </p:nvSpPr>
+        <p:spPr/>
+        <p:txBody>
+          <a:bodyPr/>
+          <a:lstStyle/>
+          <a:p>
+            <a:r>
+              <a:rPr lang="en-US" dirty="0" smtClean="0"/>
+              <a:t>Modified Demodulator (no pun intended)</a:t>
+            </a:r>
+            <a:endParaRPr lang="en-US" dirty="0"/>
+          </a:p>
+        </p:txBody>
+      </p:sp>
+      <p:pic>
+        <p:nvPicPr>
+          <p:cNvPr id="4" name="Content Placeholder 3"/>
+          <p:cNvPicPr>
+            <a:picLocks noGrp="1" noChangeAspect="1"/>
+          </p:cNvPicPr>
+          <p:nvPr>
+            <p:ph idx="1"/>
+          </p:nvPr>
+        </p:nvPicPr>
+        <p:blipFill>
+          <a:blip r:embed="rId2"/>
+          <a:stretch>
+            <a:fillRect/>
+          </a:stretch>
+        </p:blipFill>
+        <p:spPr>
+          <a:xfrm>
+            <a:off x="838200" y="1690688"/>
+            <a:ext cx="10515600" cy="2349563"/>
+          </a:xfrm>
+          <a:prstGeom prst="rect">
+            <a:avLst/>
+          </a:prstGeom>
+        </p:spPr>
+      </p:pic>
+    </p:spTree>
+    <p:extLst>
+      <p:ext uri="{BB962C8B-B14F-4D97-AF65-F5344CB8AC3E}">
+        <p14:creationId xmlns:p14="http://schemas.microsoft.com/office/powerpoint/2010/main" val="1620821836"/>
+      </p:ext>
+    </p:extLst>
+  </p:cSld>
+  <p:clrMapOvr>
+    <a:masterClrMapping/>
+  </p:clrMapOvr>
+</p:sld>
+</file>
+
+<file path=ppt/slides/slide8.xml><?xml version="1.0" encoding="utf-8"?>
+<p:sld xmlns:a="http://schemas.openxmlformats.org/drawingml/2006/main" xmlns:r="http://schemas.openxmlformats.org/officeDocument/2006/relationships" xmlns:p="http://schemas.openxmlformats.org/presentationml/2006/main">
+  <p:cSld>
+    <p:spTree>
+      <p:nvGrpSpPr>
+        <p:cNvPr id="1" name=""/>
+        <p:cNvGrpSpPr/>
+        <p:nvPr/>
+      </p:nvGrpSpPr>
+      <p:grpSpPr>
+        <a:xfrm>
+          <a:off x="0" y="0"/>
+          <a:ext cx="0" cy="0"/>
+          <a:chOff x="0" y="0"/>
+          <a:chExt cx="0" cy="0"/>
+        </a:xfrm>
+      </p:grpSpPr>
+      <p:sp>
+        <p:nvSpPr>
+          <p:cNvPr id="2" name="Title 1"/>
+          <p:cNvSpPr>
+            <a:spLocks noGrp="1"/>
+          </p:cNvSpPr>
+          <p:nvPr>
+            <p:ph type="title"/>
+          </p:nvPr>
+        </p:nvSpPr>
+        <p:spPr/>
+        <p:txBody>
+          <a:bodyPr/>
+          <a:lstStyle/>
+          <a:p>
+            <a:r>
+              <a:rPr lang="en-US" dirty="0" smtClean="0"/>
+              <a:t>Results and BER</a:t>
+            </a:r>
+            <a:endParaRPr lang="en-US" dirty="0"/>
+          </a:p>
+        </p:txBody>
+      </p:sp>
+      <p:sp>
+        <p:nvSpPr>
+          <p:cNvPr id="3" name="Content Placeholder 2"/>
+          <p:cNvSpPr>
+            <a:spLocks noGrp="1"/>
+          </p:cNvSpPr>
+          <p:nvPr>
+            <p:ph idx="1"/>
+          </p:nvPr>
+        </p:nvSpPr>
+        <p:spPr/>
+        <p:txBody>
+          <a:bodyPr/>
+          <a:lstStyle/>
+          <a:p>
+            <a:r>
+              <a:rPr lang="en-US" dirty="0" smtClean="0"/>
+              <a:t>We’ve doubled the baud rate and thus the amount of bits we can send in the time period</a:t>
+            </a:r>
+          </a:p>
+          <a:p>
+            <a:r>
+              <a:rPr lang="en-US" dirty="0" smtClean="0"/>
+              <a:t>However, how much more likely is it for the transmission to fail and how does this affect our entire system?</a:t>
+            </a:r>
+            <a:endParaRPr lang="en-US" dirty="0"/>
+          </a:p>
+        </p:txBody>
+      </p:sp>
+    </p:spTree>
+    <p:extLst>
+      <p:ext uri="{BB962C8B-B14F-4D97-AF65-F5344CB8AC3E}">
+        <p14:creationId xmlns:p14="http://schemas.microsoft.com/office/powerpoint/2010/main" val="320723473"/>
       </p:ext>
     </p:extLst>
   </p:cSld>
